--- a/docs/img/PublicResults/LocalPublicResults2.pptx
+++ b/docs/img/PublicResults/LocalPublicResults2.pptx
@@ -312,7 +312,7 @@
               <a:pPr>
                 <a:defRPr/>
               </a:pPr>
-              <a:t>2021-11-30</a:t>
+              <a:t>2022-02-28</a:t>
             </a:fld>
             <a:endParaRPr lang="fr-CA"/>
           </a:p>
@@ -527,7 +527,7 @@
               <a:pPr>
                 <a:defRPr/>
               </a:pPr>
-              <a:t>2021-11-30</a:t>
+              <a:t>2022-02-28</a:t>
             </a:fld>
             <a:endParaRPr lang="fr-CA"/>
           </a:p>
@@ -752,7 +752,7 @@
               <a:pPr>
                 <a:defRPr/>
               </a:pPr>
-              <a:t>2021-11-30</a:t>
+              <a:t>2022-02-28</a:t>
             </a:fld>
             <a:endParaRPr lang="fr-CA"/>
           </a:p>
@@ -967,7 +967,7 @@
               <a:pPr>
                 <a:defRPr/>
               </a:pPr>
-              <a:t>2021-11-30</a:t>
+              <a:t>2022-02-28</a:t>
             </a:fld>
             <a:endParaRPr lang="fr-CA"/>
           </a:p>
@@ -1258,7 +1258,7 @@
               <a:pPr>
                 <a:defRPr/>
               </a:pPr>
-              <a:t>2021-11-30</a:t>
+              <a:t>2022-02-28</a:t>
             </a:fld>
             <a:endParaRPr lang="fr-CA"/>
           </a:p>
@@ -1535,7 +1535,7 @@
               <a:pPr>
                 <a:defRPr/>
               </a:pPr>
-              <a:t>2021-11-30</a:t>
+              <a:t>2022-02-28</a:t>
             </a:fld>
             <a:endParaRPr lang="fr-CA"/>
           </a:p>
@@ -1947,7 +1947,7 @@
               <a:pPr>
                 <a:defRPr/>
               </a:pPr>
-              <a:t>2021-11-30</a:t>
+              <a:t>2022-02-28</a:t>
             </a:fld>
             <a:endParaRPr lang="fr-CA"/>
           </a:p>
@@ -2110,7 +2110,7 @@
               <a:pPr>
                 <a:defRPr/>
               </a:pPr>
-              <a:t>2021-11-30</a:t>
+              <a:t>2022-02-28</a:t>
             </a:fld>
             <a:endParaRPr lang="fr-CA"/>
           </a:p>
@@ -2250,7 +2250,7 @@
               <a:pPr>
                 <a:defRPr/>
               </a:pPr>
-              <a:t>2021-11-30</a:t>
+              <a:t>2022-02-28</a:t>
             </a:fld>
             <a:endParaRPr lang="fr-CA"/>
           </a:p>
@@ -2572,7 +2572,7 @@
               <a:pPr>
                 <a:defRPr/>
               </a:pPr>
-              <a:t>2021-11-30</a:t>
+              <a:t>2022-02-28</a:t>
             </a:fld>
             <a:endParaRPr lang="fr-CA"/>
           </a:p>
@@ -2873,7 +2873,7 @@
               <a:pPr>
                 <a:defRPr/>
               </a:pPr>
-              <a:t>2021-11-30</a:t>
+              <a:t>2022-02-28</a:t>
             </a:fld>
             <a:endParaRPr lang="fr-CA"/>
           </a:p>
@@ -3200,7 +3200,7 @@
               <a:pPr>
                 <a:defRPr/>
               </a:pPr>
-              <a:t>2021-11-30</a:t>
+              <a:t>2022-02-28</a:t>
             </a:fld>
             <a:endParaRPr lang="fr-CA"/>
           </a:p>
